--- a/Later/JavaIO/JavaIO_108/Java File class.pptx
+++ b/Later/JavaIO/JavaIO_108/Java File class.pptx
@@ -198,7 +198,7 @@
           <a:p>
             <a:fld id="{62274EC6-3890-417B-9308-14EFBD00FA63}" type="datetimeFigureOut">
               <a:rPr lang="en-US" smtClean="0"/>
-              <a:t>9/20/2016</a:t>
+              <a:t>9/22/2016</a:t>
             </a:fld>
             <a:endParaRPr lang="en-US" dirty="0"/>
           </a:p>
@@ -1271,7 +1271,7 @@
             <a:fld id="{1D8BD707-D9CF-40AE-B4C6-C98DA3205C09}" type="datetimeFigureOut">
               <a:rPr lang="en-US" smtClean="0"/>
               <a:pPr/>
-              <a:t>9/20/2016</a:t>
+              <a:t>9/22/2016</a:t>
             </a:fld>
             <a:endParaRPr lang="en-US" dirty="0"/>
           </a:p>
@@ -1443,7 +1443,7 @@
             <a:fld id="{1D8BD707-D9CF-40AE-B4C6-C98DA3205C09}" type="datetimeFigureOut">
               <a:rPr lang="en-US" smtClean="0"/>
               <a:pPr/>
-              <a:t>9/20/2016</a:t>
+              <a:t>9/22/2016</a:t>
             </a:fld>
             <a:endParaRPr lang="en-US" dirty="0"/>
           </a:p>
@@ -1625,7 +1625,7 @@
             <a:fld id="{1D8BD707-D9CF-40AE-B4C6-C98DA3205C09}" type="datetimeFigureOut">
               <a:rPr lang="en-US" smtClean="0"/>
               <a:pPr/>
-              <a:t>9/20/2016</a:t>
+              <a:t>9/22/2016</a:t>
             </a:fld>
             <a:endParaRPr lang="en-US" dirty="0"/>
           </a:p>
@@ -1797,7 +1797,7 @@
             <a:fld id="{1D8BD707-D9CF-40AE-B4C6-C98DA3205C09}" type="datetimeFigureOut">
               <a:rPr lang="en-US" smtClean="0"/>
               <a:pPr/>
-              <a:t>9/20/2016</a:t>
+              <a:t>9/22/2016</a:t>
             </a:fld>
             <a:endParaRPr lang="en-US" dirty="0"/>
           </a:p>
@@ -2045,7 +2045,7 @@
             <a:fld id="{1D8BD707-D9CF-40AE-B4C6-C98DA3205C09}" type="datetimeFigureOut">
               <a:rPr lang="en-US" smtClean="0"/>
               <a:pPr/>
-              <a:t>9/20/2016</a:t>
+              <a:t>9/22/2016</a:t>
             </a:fld>
             <a:endParaRPr lang="en-US" dirty="0"/>
           </a:p>
@@ -2335,7 +2335,7 @@
             <a:fld id="{1D8BD707-D9CF-40AE-B4C6-C98DA3205C09}" type="datetimeFigureOut">
               <a:rPr lang="en-US" smtClean="0"/>
               <a:pPr/>
-              <a:t>9/20/2016</a:t>
+              <a:t>9/22/2016</a:t>
             </a:fld>
             <a:endParaRPr lang="en-US" dirty="0"/>
           </a:p>
@@ -2764,7 +2764,7 @@
             <a:fld id="{1D8BD707-D9CF-40AE-B4C6-C98DA3205C09}" type="datetimeFigureOut">
               <a:rPr lang="en-US" smtClean="0"/>
               <a:pPr/>
-              <a:t>9/20/2016</a:t>
+              <a:t>9/22/2016</a:t>
             </a:fld>
             <a:endParaRPr lang="en-US" dirty="0"/>
           </a:p>
@@ -2884,7 +2884,7 @@
             <a:fld id="{1D8BD707-D9CF-40AE-B4C6-C98DA3205C09}" type="datetimeFigureOut">
               <a:rPr lang="en-US" smtClean="0"/>
               <a:pPr/>
-              <a:t>9/20/2016</a:t>
+              <a:t>9/22/2016</a:t>
             </a:fld>
             <a:endParaRPr lang="en-US" dirty="0"/>
           </a:p>
@@ -2981,7 +2981,7 @@
             <a:fld id="{1D8BD707-D9CF-40AE-B4C6-C98DA3205C09}" type="datetimeFigureOut">
               <a:rPr lang="en-US" smtClean="0"/>
               <a:pPr/>
-              <a:t>9/20/2016</a:t>
+              <a:t>9/22/2016</a:t>
             </a:fld>
             <a:endParaRPr lang="en-US" dirty="0"/>
           </a:p>
@@ -3260,7 +3260,7 @@
             <a:fld id="{1D8BD707-D9CF-40AE-B4C6-C98DA3205C09}" type="datetimeFigureOut">
               <a:rPr lang="en-US" smtClean="0"/>
               <a:pPr/>
-              <a:t>9/20/2016</a:t>
+              <a:t>9/22/2016</a:t>
             </a:fld>
             <a:endParaRPr lang="en-US" dirty="0"/>
           </a:p>
@@ -3515,7 +3515,7 @@
             <a:fld id="{1D8BD707-D9CF-40AE-B4C6-C98DA3205C09}" type="datetimeFigureOut">
               <a:rPr lang="en-US" smtClean="0"/>
               <a:pPr/>
-              <a:t>9/20/2016</a:t>
+              <a:t>9/22/2016</a:t>
             </a:fld>
             <a:endParaRPr lang="en-US" dirty="0"/>
           </a:p>
@@ -3730,7 +3730,7 @@
             <a:fld id="{1D8BD707-D9CF-40AE-B4C6-C98DA3205C09}" type="datetimeFigureOut">
               <a:rPr lang="en-US" smtClean="0"/>
               <a:pPr/>
-              <a:t>9/20/2016</a:t>
+              <a:t>9/22/2016</a:t>
             </a:fld>
             <a:endParaRPr lang="en-US" dirty="0"/>
           </a:p>
@@ -4140,7 +4140,7 @@
           <a:lstStyle/>
           <a:p>
             <a:pPr algn="ctr"/>
-            <a:endParaRPr lang="en-US"/>
+            <a:endParaRPr lang="en-US" dirty="0"/>
           </a:p>
         </p:txBody>
       </p:sp>
@@ -4305,7 +4305,7 @@
           </a:bodyPr>
           <a:lstStyle/>
           <a:p>
-            <a:endParaRPr lang="en-US"/>
+            <a:endParaRPr lang="en-US" dirty="0"/>
           </a:p>
         </p:txBody>
       </p:sp>
@@ -4344,7 +4344,7 @@
           </a:bodyPr>
           <a:lstStyle/>
           <a:p>
-            <a:endParaRPr lang="en-US"/>
+            <a:endParaRPr lang="en-US" dirty="0"/>
           </a:p>
         </p:txBody>
       </p:sp>
@@ -4494,7 +4494,7 @@
               <a:buFont typeface="Wingdings" pitchFamily="2" charset="2"/>
               <a:buChar char="ü"/>
             </a:pPr>
-            <a:endParaRPr lang="en-US" sz="1200" dirty="0" smtClean="0"/>
+            <a:endParaRPr lang="en-US" sz="1100" dirty="0" smtClean="0"/>
           </a:p>
           <a:p>
             <a:pPr marL="171450" indent="-171450">
@@ -4502,23 +4502,31 @@
               <a:buChar char="ü"/>
             </a:pPr>
             <a:r>
-              <a:rPr lang="en-US" sz="1200" dirty="0" smtClean="0"/>
-              <a:t>File class is </a:t>
-            </a:r>
-            <a:r>
-              <a:rPr lang="en-US" sz="1200" dirty="0"/>
+              <a:rPr lang="en-US" sz="1100" b="1" dirty="0" smtClean="0">
+                <a:solidFill>
+                  <a:srgbClr val="002060"/>
+                </a:solidFill>
+              </a:rPr>
+              <a:t>File</a:t>
+            </a:r>
+            <a:r>
+              <a:rPr lang="en-US" sz="1100" dirty="0" smtClean="0"/>
+              <a:t> class is </a:t>
+            </a:r>
+            <a:r>
+              <a:rPr lang="en-US" sz="1100" dirty="0"/>
               <a:t>a</a:t>
             </a:r>
             <a:r>
-              <a:rPr lang="en-US" sz="1200" dirty="0" smtClean="0"/>
+              <a:rPr lang="en-US" sz="1100" dirty="0" smtClean="0"/>
               <a:t>n </a:t>
             </a:r>
             <a:r>
-              <a:rPr lang="en-US" sz="1200" dirty="0"/>
+              <a:rPr lang="en-US" sz="1100" dirty="0"/>
               <a:t>abstract representation of file and directory pathnames</a:t>
             </a:r>
             <a:r>
-              <a:rPr lang="en-US" sz="1200" dirty="0" smtClean="0"/>
+              <a:rPr lang="en-US" sz="1100" dirty="0" smtClean="0"/>
               <a:t>.</a:t>
             </a:r>
           </a:p>
@@ -4528,19 +4536,23 @@
               <a:buChar char="ü"/>
             </a:pPr>
             <a:r>
-              <a:rPr lang="en-US" sz="1200" dirty="0"/>
+              <a:rPr lang="en-US" sz="1100" dirty="0"/>
               <a:t>The </a:t>
             </a:r>
             <a:r>
-              <a:rPr lang="en-US" sz="1200" dirty="0"/>
+              <a:rPr lang="en-US" sz="1100" b="1" dirty="0">
+                <a:solidFill>
+                  <a:srgbClr val="002060"/>
+                </a:solidFill>
+              </a:rPr>
               <a:t>File</a:t>
             </a:r>
             <a:r>
-              <a:rPr lang="en-US" sz="1200" dirty="0"/>
+              <a:rPr lang="en-US" sz="1100" dirty="0"/>
               <a:t> class in the Java IO API gives you access to the underlying file </a:t>
             </a:r>
             <a:r>
-              <a:rPr lang="en-US" sz="1200" dirty="0" smtClean="0"/>
+              <a:rPr lang="en-US" sz="1100" dirty="0" smtClean="0"/>
               <a:t>system.</a:t>
             </a:r>
           </a:p>
@@ -4550,11 +4562,23 @@
               <a:buChar char="ü"/>
             </a:pPr>
             <a:r>
-              <a:rPr lang="en-US" sz="1200" dirty="0"/>
-              <a:t>The File object represents the actual file/directory on the disk</a:t>
-            </a:r>
-            <a:r>
-              <a:rPr lang="en-US" sz="1200" dirty="0" smtClean="0"/>
+              <a:rPr lang="en-US" sz="1100" dirty="0"/>
+              <a:t>The </a:t>
+            </a:r>
+            <a:r>
+              <a:rPr lang="en-US" sz="1100" b="1" dirty="0">
+                <a:solidFill>
+                  <a:srgbClr val="002060"/>
+                </a:solidFill>
+              </a:rPr>
+              <a:t>File</a:t>
+            </a:r>
+            <a:r>
+              <a:rPr lang="en-US" sz="1100" dirty="0"/>
+              <a:t> object represents the actual file/directory on the disk</a:t>
+            </a:r>
+            <a:r>
+              <a:rPr lang="en-US" sz="1100" dirty="0" smtClean="0"/>
               <a:t>.</a:t>
             </a:r>
           </a:p>
@@ -4564,8 +4588,20 @@
               <a:buChar char="ü"/>
             </a:pPr>
             <a:r>
-              <a:rPr lang="en-US" sz="1200" dirty="0" smtClean="0"/>
-              <a:t>Using the File class we can:</a:t>
+              <a:rPr lang="en-US" sz="1100" dirty="0" smtClean="0"/>
+              <a:t>Using the </a:t>
+            </a:r>
+            <a:r>
+              <a:rPr lang="en-US" sz="1100" b="1" dirty="0" smtClean="0">
+                <a:solidFill>
+                  <a:srgbClr val="002060"/>
+                </a:solidFill>
+              </a:rPr>
+              <a:t>File</a:t>
+            </a:r>
+            <a:r>
+              <a:rPr lang="en-US" sz="1100" dirty="0" smtClean="0"/>
+              <a:t> class we can:</a:t>
             </a:r>
           </a:p>
           <a:p>
@@ -4574,7 +4610,7 @@
               <a:buAutoNum type="arabicPeriod"/>
             </a:pPr>
             <a:r>
-              <a:rPr lang="en-US" sz="1200" dirty="0"/>
+              <a:rPr lang="en-US" sz="1100" dirty="0"/>
               <a:t>Check if a file or directory exists.</a:t>
             </a:r>
           </a:p>
@@ -4584,7 +4620,7 @@
               <a:buAutoNum type="arabicPeriod"/>
             </a:pPr>
             <a:r>
-              <a:rPr lang="en-US" sz="1200" dirty="0"/>
+              <a:rPr lang="en-US" sz="1100" dirty="0"/>
               <a:t>Create a directory if it does not exist.</a:t>
             </a:r>
           </a:p>
@@ -4594,7 +4630,7 @@
               <a:buAutoNum type="arabicPeriod"/>
             </a:pPr>
             <a:r>
-              <a:rPr lang="en-US" sz="1200" dirty="0"/>
+              <a:rPr lang="en-US" sz="1100" dirty="0"/>
               <a:t>Read the length of a file.</a:t>
             </a:r>
           </a:p>
@@ -4604,7 +4640,7 @@
               <a:buAutoNum type="arabicPeriod"/>
             </a:pPr>
             <a:r>
-              <a:rPr lang="en-US" sz="1200" dirty="0"/>
+              <a:rPr lang="en-US" sz="1100" dirty="0"/>
               <a:t>Rename or move a file.</a:t>
             </a:r>
           </a:p>
@@ -4614,7 +4650,7 @@
               <a:buAutoNum type="arabicPeriod"/>
             </a:pPr>
             <a:r>
-              <a:rPr lang="en-US" sz="1200" dirty="0"/>
+              <a:rPr lang="en-US" sz="1100" dirty="0"/>
               <a:t>Delete a file.</a:t>
             </a:r>
           </a:p>
@@ -4624,7 +4660,7 @@
               <a:buAutoNum type="arabicPeriod"/>
             </a:pPr>
             <a:r>
-              <a:rPr lang="en-US" sz="1200" dirty="0"/>
+              <a:rPr lang="en-US" sz="1100" dirty="0"/>
               <a:t>Check if path is file or directory.</a:t>
             </a:r>
           </a:p>
@@ -4634,7 +4670,7 @@
               <a:buAutoNum type="arabicPeriod"/>
             </a:pPr>
             <a:r>
-              <a:rPr lang="en-US" sz="1200" dirty="0"/>
+              <a:rPr lang="en-US" sz="1100" dirty="0"/>
               <a:t>Read list of files in a directory.</a:t>
             </a:r>
           </a:p>
@@ -4643,10 +4679,50 @@
               <a:buFont typeface="Wingdings" pitchFamily="2" charset="2"/>
               <a:buChar char="ü"/>
             </a:pPr>
-            <a:endParaRPr lang="en-US" sz="1200" dirty="0" smtClean="0"/>
-          </a:p>
-          <a:p>
-            <a:endParaRPr lang="en-US" sz="1200" dirty="0"/>
+            <a:r>
+              <a:rPr lang="en-US" sz="1100" dirty="0"/>
+              <a:t>The </a:t>
+            </a:r>
+            <a:r>
+              <a:rPr lang="en-US" sz="1100" b="1" dirty="0">
+                <a:solidFill>
+                  <a:srgbClr val="002060"/>
+                </a:solidFill>
+              </a:rPr>
+              <a:t>File</a:t>
+            </a:r>
+            <a:r>
+              <a:rPr lang="en-US" sz="1100" dirty="0"/>
+              <a:t> only gives you access to the file and file system meta data. If you need to read or write the content of files, you should do so using either </a:t>
+            </a:r>
+            <a:r>
+              <a:rPr lang="en-US" sz="1100" dirty="0"/>
+              <a:t>FileInputStream</a:t>
+            </a:r>
+            <a:r>
+              <a:rPr lang="en-US" sz="1100" dirty="0"/>
+              <a:t>, </a:t>
+            </a:r>
+            <a:r>
+              <a:rPr lang="en-US" sz="1100" dirty="0"/>
+              <a:t>FileOutputStream</a:t>
+            </a:r>
+            <a:r>
+              <a:rPr lang="en-US" sz="1100" dirty="0"/>
+              <a:t> or </a:t>
+            </a:r>
+            <a:r>
+              <a:rPr lang="en-US" sz="1100" dirty="0"/>
+              <a:t>RandomAccessFile</a:t>
+            </a:r>
+            <a:r>
+              <a:rPr lang="en-US" sz="1100" dirty="0"/>
+              <a:t>.</a:t>
+            </a:r>
+            <a:endParaRPr lang="en-US" sz="1100" dirty="0" smtClean="0"/>
+          </a:p>
+          <a:p>
+            <a:endParaRPr lang="en-US" sz="1100" dirty="0"/>
           </a:p>
         </p:txBody>
       </p:sp>
